--- a/资源/0323_图片合集/新建 PPTX 演示文稿.pptx
+++ b/资源/0323_图片合集/新建 PPTX 演示文稿.pptx
@@ -7,6 +7,7 @@
   <p:sldIdLst>
     <p:sldId id="256" r:id="rId3"/>
     <p:sldId id="257" r:id="rId4"/>
+    <p:sldId id="258" r:id="rId5"/>
   </p:sldIdLst>
   <p:sldSz cx="12192000" cy="6858000"/>
   <p:notesSz cx="6858000" cy="9144000"/>
@@ -2650,7 +2651,7 @@
         <a:spcBef>
           <a:spcPts val="1000"/>
         </a:spcBef>
-        <a:buFont typeface="Arial" panose="020B0604020202020204" pitchFamily="34" charset="0"/>
+        <a:buFont typeface="Arial" pitchFamily="34" charset="0"/>
         <a:buChar char="•"/>
         <a:defRPr sz="2800" kern="1200">
           <a:solidFill>
@@ -2668,7 +2669,7 @@
         <a:spcBef>
           <a:spcPts val="500"/>
         </a:spcBef>
-        <a:buFont typeface="Arial" panose="020B0604020202020204" pitchFamily="34" charset="0"/>
+        <a:buFont typeface="Arial" pitchFamily="34" charset="0"/>
         <a:buChar char="•"/>
         <a:defRPr sz="2400" kern="1200">
           <a:solidFill>
@@ -2686,7 +2687,7 @@
         <a:spcBef>
           <a:spcPts val="500"/>
         </a:spcBef>
-        <a:buFont typeface="Arial" panose="020B0604020202020204" pitchFamily="34" charset="0"/>
+        <a:buFont typeface="Arial" pitchFamily="34" charset="0"/>
         <a:buChar char="•"/>
         <a:defRPr sz="2000" kern="1200">
           <a:solidFill>
@@ -2704,7 +2705,7 @@
         <a:spcBef>
           <a:spcPts val="500"/>
         </a:spcBef>
-        <a:buFont typeface="Arial" panose="020B0604020202020204" pitchFamily="34" charset="0"/>
+        <a:buFont typeface="Arial" pitchFamily="34" charset="0"/>
         <a:buChar char="•"/>
         <a:defRPr sz="1800" kern="1200">
           <a:solidFill>
@@ -2722,7 +2723,7 @@
         <a:spcBef>
           <a:spcPts val="500"/>
         </a:spcBef>
-        <a:buFont typeface="Arial" panose="020B0604020202020204" pitchFamily="34" charset="0"/>
+        <a:buFont typeface="Arial" pitchFamily="34" charset="0"/>
         <a:buChar char="•"/>
         <a:defRPr sz="1800" kern="1200">
           <a:solidFill>
@@ -2740,7 +2741,7 @@
         <a:spcBef>
           <a:spcPts val="500"/>
         </a:spcBef>
-        <a:buFont typeface="Arial" panose="020B0604020202020204" pitchFamily="34" charset="0"/>
+        <a:buFont typeface="Arial" pitchFamily="34" charset="0"/>
         <a:buChar char="•"/>
         <a:defRPr sz="1800" kern="1200">
           <a:solidFill>
@@ -2758,7 +2759,7 @@
         <a:spcBef>
           <a:spcPts val="500"/>
         </a:spcBef>
-        <a:buFont typeface="Arial" panose="020B0604020202020204" pitchFamily="34" charset="0"/>
+        <a:buFont typeface="Arial" pitchFamily="34" charset="0"/>
         <a:buChar char="•"/>
         <a:defRPr sz="1800" kern="1200">
           <a:solidFill>
@@ -2776,7 +2777,7 @@
         <a:spcBef>
           <a:spcPts val="500"/>
         </a:spcBef>
-        <a:buFont typeface="Arial" panose="020B0604020202020204" pitchFamily="34" charset="0"/>
+        <a:buFont typeface="Arial" pitchFamily="34" charset="0"/>
         <a:buChar char="•"/>
         <a:defRPr sz="1800" kern="1200">
           <a:solidFill>
@@ -2794,7 +2795,7 @@
         <a:spcBef>
           <a:spcPts val="500"/>
         </a:spcBef>
-        <a:buFont typeface="Arial" panose="020B0604020202020204" pitchFamily="34" charset="0"/>
+        <a:buFont typeface="Arial" pitchFamily="34" charset="0"/>
         <a:buChar char="•"/>
         <a:defRPr sz="1800" kern="1200">
           <a:solidFill>
@@ -3379,6 +3380,250 @@
           <a:xfrm>
             <a:off x="0" y="-215265"/>
             <a:ext cx="2514600" cy="2486025"/>
+          </a:xfrm>
+          <a:prstGeom prst="rect">
+            <a:avLst/>
+          </a:prstGeom>
+        </p:spPr>
+      </p:pic>
+    </p:spTree>
+  </p:cSld>
+  <p:clrMapOvr>
+    <a:masterClrMapping/>
+  </p:clrMapOvr>
+</p:sld>
+</file>
+
+<file path=ppt/slides/slide3.xml><?xml version="1.0" encoding="utf-8"?>
+<p:sld xmlns:a="http://schemas.openxmlformats.org/drawingml/2006/main" xmlns:r="http://schemas.openxmlformats.org/officeDocument/2006/relationships" xmlns:p="http://schemas.openxmlformats.org/presentationml/2006/main">
+  <p:cSld>
+    <p:spTree>
+      <p:nvGrpSpPr>
+        <p:cNvPr id="1" name=""/>
+        <p:cNvGrpSpPr/>
+        <p:nvPr/>
+      </p:nvGrpSpPr>
+      <p:grpSpPr/>
+      <p:sp>
+        <p:nvSpPr>
+          <p:cNvPr id="2" name="标题 1"/>
+          <p:cNvSpPr>
+            <a:spLocks noGrp="1"/>
+          </p:cNvSpPr>
+          <p:nvPr>
+            <p:ph type="title"/>
+          </p:nvPr>
+        </p:nvSpPr>
+        <p:spPr/>
+        <p:txBody>
+          <a:bodyPr/>
+          <a:p>
+            <a:endParaRPr lang="zh-CN" altLang="en-US"/>
+          </a:p>
+        </p:txBody>
+      </p:sp>
+      <p:sp>
+        <p:nvSpPr>
+          <p:cNvPr id="3" name="内容占位符 2"/>
+          <p:cNvSpPr>
+            <a:spLocks noGrp="1"/>
+          </p:cNvSpPr>
+          <p:nvPr>
+            <p:ph idx="1"/>
+          </p:nvPr>
+        </p:nvSpPr>
+        <p:spPr/>
+        <p:txBody>
+          <a:bodyPr/>
+          <a:p>
+            <a:endParaRPr lang="zh-CN" altLang="en-US"/>
+          </a:p>
+        </p:txBody>
+      </p:sp>
+      <p:pic>
+        <p:nvPicPr>
+          <p:cNvPr id="4" name="图片 3" descr="正六边形"/>
+          <p:cNvPicPr>
+            <a:picLocks noChangeAspect="1"/>
+          </p:cNvPicPr>
+          <p:nvPr/>
+        </p:nvPicPr>
+        <p:blipFill>
+          <a:blip r:embed="rId1">
+            <a:clrChange>
+              <a:clrFrom>
+                <a:srgbClr val="FFFFFF">
+                  <a:alpha val="100000"/>
+                </a:srgbClr>
+              </a:clrFrom>
+              <a:clrTo>
+                <a:srgbClr val="FFFFFF">
+                  <a:alpha val="100000"/>
+                  <a:alpha val="0"/>
+                </a:srgbClr>
+              </a:clrTo>
+            </a:clrChange>
+          </a:blip>
+          <a:stretch>
+            <a:fillRect/>
+          </a:stretch>
+        </p:blipFill>
+        <p:spPr>
+          <a:xfrm>
+            <a:off x="4298950" y="1538605"/>
+            <a:ext cx="4182110" cy="4820285"/>
+          </a:xfrm>
+          <a:prstGeom prst="rect">
+            <a:avLst/>
+          </a:prstGeom>
+        </p:spPr>
+      </p:pic>
+      <p:pic>
+        <p:nvPicPr>
+          <p:cNvPr id="5" name="图片 4" descr="正六边形_黑"/>
+          <p:cNvPicPr>
+            <a:picLocks noChangeAspect="1"/>
+          </p:cNvPicPr>
+          <p:nvPr/>
+        </p:nvPicPr>
+        <p:blipFill>
+          <a:blip r:embed="rId2">
+            <a:clrChange>
+              <a:clrFrom>
+                <a:srgbClr val="FFFFFF">
+                  <a:alpha val="100000"/>
+                </a:srgbClr>
+              </a:clrFrom>
+              <a:clrTo>
+                <a:srgbClr val="FFFFFF">
+                  <a:alpha val="100000"/>
+                  <a:alpha val="0"/>
+                </a:srgbClr>
+              </a:clrTo>
+            </a:clrChange>
+          </a:blip>
+          <a:stretch>
+            <a:fillRect/>
+          </a:stretch>
+        </p:blipFill>
+        <p:spPr>
+          <a:xfrm>
+            <a:off x="4534535" y="187325"/>
+            <a:ext cx="4182110" cy="4820285"/>
+          </a:xfrm>
+          <a:prstGeom prst="rect">
+            <a:avLst/>
+          </a:prstGeom>
+        </p:spPr>
+      </p:pic>
+      <p:pic>
+        <p:nvPicPr>
+          <p:cNvPr id="6" name="图片 5" descr="正六边形_红"/>
+          <p:cNvPicPr>
+            <a:picLocks noChangeAspect="1"/>
+          </p:cNvPicPr>
+          <p:nvPr/>
+        </p:nvPicPr>
+        <p:blipFill>
+          <a:blip r:embed="rId3">
+            <a:clrChange>
+              <a:clrFrom>
+                <a:srgbClr val="FFFFFF">
+                  <a:alpha val="100000"/>
+                </a:srgbClr>
+              </a:clrFrom>
+              <a:clrTo>
+                <a:srgbClr val="FFFFFF">
+                  <a:alpha val="100000"/>
+                  <a:alpha val="0"/>
+                </a:srgbClr>
+              </a:clrTo>
+            </a:clrChange>
+          </a:blip>
+          <a:stretch>
+            <a:fillRect/>
+          </a:stretch>
+        </p:blipFill>
+        <p:spPr>
+          <a:xfrm>
+            <a:off x="4912995" y="-97790"/>
+            <a:ext cx="4182110" cy="4820285"/>
+          </a:xfrm>
+          <a:prstGeom prst="rect">
+            <a:avLst/>
+          </a:prstGeom>
+        </p:spPr>
+      </p:pic>
+      <p:pic>
+        <p:nvPicPr>
+          <p:cNvPr id="7" name="图片 6" descr="正六边形_蓝"/>
+          <p:cNvPicPr>
+            <a:picLocks noChangeAspect="1"/>
+          </p:cNvPicPr>
+          <p:nvPr/>
+        </p:nvPicPr>
+        <p:blipFill>
+          <a:blip r:embed="rId4">
+            <a:clrChange>
+              <a:clrFrom>
+                <a:srgbClr val="FFFFFF">
+                  <a:alpha val="100000"/>
+                </a:srgbClr>
+              </a:clrFrom>
+              <a:clrTo>
+                <a:srgbClr val="FFFFFF">
+                  <a:alpha val="100000"/>
+                  <a:alpha val="0"/>
+                </a:srgbClr>
+              </a:clrTo>
+            </a:clrChange>
+          </a:blip>
+          <a:stretch>
+            <a:fillRect/>
+          </a:stretch>
+        </p:blipFill>
+        <p:spPr>
+          <a:xfrm>
+            <a:off x="371475" y="725805"/>
+            <a:ext cx="4182110" cy="4820285"/>
+          </a:xfrm>
+          <a:prstGeom prst="rect">
+            <a:avLst/>
+          </a:prstGeom>
+        </p:spPr>
+      </p:pic>
+      <p:pic>
+        <p:nvPicPr>
+          <p:cNvPr id="8" name="图片 7" descr="正六边形_绿"/>
+          <p:cNvPicPr>
+            <a:picLocks noChangeAspect="1"/>
+          </p:cNvPicPr>
+          <p:nvPr/>
+        </p:nvPicPr>
+        <p:blipFill>
+          <a:blip r:embed="rId5">
+            <a:clrChange>
+              <a:clrFrom>
+                <a:srgbClr val="FFFFFF">
+                  <a:alpha val="100000"/>
+                </a:srgbClr>
+              </a:clrFrom>
+              <a:clrTo>
+                <a:srgbClr val="FFFFFF">
+                  <a:alpha val="100000"/>
+                  <a:alpha val="0"/>
+                </a:srgbClr>
+              </a:clrTo>
+            </a:clrChange>
+          </a:blip>
+          <a:stretch>
+            <a:fillRect/>
+          </a:stretch>
+        </p:blipFill>
+        <p:spPr>
+          <a:xfrm>
+            <a:off x="7580630" y="-135255"/>
+            <a:ext cx="4182110" cy="4820285"/>
           </a:xfrm>
           <a:prstGeom prst="rect">
             <a:avLst/>
@@ -3644,6 +3889,8 @@
       </a:bgFillStyleLst>
     </a:fmtScheme>
   </a:themeElements>
+  <a:objectDefaults/>
+  <a:extraClrSchemeLst/>
   <a:extLst>
     <a:ext uri="{05A4C25C-085E-4340-85A3-A5531E510DB2}">
       <thm15:themeFamily xmlns:thm15="http://schemas.microsoft.com/office/thememl/2012/main" name="Office Theme" id="{62F939B6-93AF-4DB8-9C6B-D6C7DFDC589F}" vid="{4A3C46E8-61CC-4603-A589-7422A47A8E4A}"/>
